--- a/anal/181111.pptx
+++ b/anal/181111.pptx
@@ -14,6 +14,7 @@
     <p:sldId id="276" r:id="rId8"/>
     <p:sldId id="277" r:id="rId9"/>
     <p:sldId id="278" r:id="rId10"/>
+    <p:sldId id="279" r:id="rId11"/>
   </p:sldIdLst>
   <p:sldSz cx="12192000" cy="6858000"/>
   <p:notesSz cx="6858000" cy="9144000"/>
@@ -130,6 +131,7 @@
             <p14:sldId id="276"/>
             <p14:sldId id="277"/>
             <p14:sldId id="278"/>
+            <p14:sldId id="279"/>
           </p14:sldIdLst>
         </p14:section>
       </p14:sectionLst>
@@ -272,7 +274,7 @@
           <a:p>
             <a:fld id="{E5757ECE-DB53-4BBB-9F54-E1C5311B59B3}" type="datetimeFigureOut">
               <a:rPr lang="zh-CN" altLang="en-US" smtClean="0"/>
-              <a:t>2018/11/14</a:t>
+              <a:t>2018/11/15</a:t>
             </a:fld>
             <a:endParaRPr lang="zh-CN" altLang="en-US"/>
           </a:p>
@@ -442,7 +444,7 @@
           <a:p>
             <a:fld id="{E5757ECE-DB53-4BBB-9F54-E1C5311B59B3}" type="datetimeFigureOut">
               <a:rPr lang="zh-CN" altLang="en-US" smtClean="0"/>
-              <a:t>2018/11/14</a:t>
+              <a:t>2018/11/15</a:t>
             </a:fld>
             <a:endParaRPr lang="zh-CN" altLang="en-US"/>
           </a:p>
@@ -622,7 +624,7 @@
           <a:p>
             <a:fld id="{E5757ECE-DB53-4BBB-9F54-E1C5311B59B3}" type="datetimeFigureOut">
               <a:rPr lang="zh-CN" altLang="en-US" smtClean="0"/>
-              <a:t>2018/11/14</a:t>
+              <a:t>2018/11/15</a:t>
             </a:fld>
             <a:endParaRPr lang="zh-CN" altLang="en-US"/>
           </a:p>
@@ -792,7 +794,7 @@
           <a:p>
             <a:fld id="{E5757ECE-DB53-4BBB-9F54-E1C5311B59B3}" type="datetimeFigureOut">
               <a:rPr lang="zh-CN" altLang="en-US" smtClean="0"/>
-              <a:t>2018/11/14</a:t>
+              <a:t>2018/11/15</a:t>
             </a:fld>
             <a:endParaRPr lang="zh-CN" altLang="en-US"/>
           </a:p>
@@ -1038,7 +1040,7 @@
           <a:p>
             <a:fld id="{E5757ECE-DB53-4BBB-9F54-E1C5311B59B3}" type="datetimeFigureOut">
               <a:rPr lang="zh-CN" altLang="en-US" smtClean="0"/>
-              <a:t>2018/11/14</a:t>
+              <a:t>2018/11/15</a:t>
             </a:fld>
             <a:endParaRPr lang="zh-CN" altLang="en-US"/>
           </a:p>
@@ -1270,7 +1272,7 @@
           <a:p>
             <a:fld id="{E5757ECE-DB53-4BBB-9F54-E1C5311B59B3}" type="datetimeFigureOut">
               <a:rPr lang="zh-CN" altLang="en-US" smtClean="0"/>
-              <a:t>2018/11/14</a:t>
+              <a:t>2018/11/15</a:t>
             </a:fld>
             <a:endParaRPr lang="zh-CN" altLang="en-US"/>
           </a:p>
@@ -1637,7 +1639,7 @@
           <a:p>
             <a:fld id="{E5757ECE-DB53-4BBB-9F54-E1C5311B59B3}" type="datetimeFigureOut">
               <a:rPr lang="zh-CN" altLang="en-US" smtClean="0"/>
-              <a:t>2018/11/14</a:t>
+              <a:t>2018/11/15</a:t>
             </a:fld>
             <a:endParaRPr lang="zh-CN" altLang="en-US"/>
           </a:p>
@@ -1755,7 +1757,7 @@
           <a:p>
             <a:fld id="{E5757ECE-DB53-4BBB-9F54-E1C5311B59B3}" type="datetimeFigureOut">
               <a:rPr lang="zh-CN" altLang="en-US" smtClean="0"/>
-              <a:t>2018/11/14</a:t>
+              <a:t>2018/11/15</a:t>
             </a:fld>
             <a:endParaRPr lang="zh-CN" altLang="en-US"/>
           </a:p>
@@ -1850,7 +1852,7 @@
           <a:p>
             <a:fld id="{E5757ECE-DB53-4BBB-9F54-E1C5311B59B3}" type="datetimeFigureOut">
               <a:rPr lang="zh-CN" altLang="en-US" smtClean="0"/>
-              <a:t>2018/11/14</a:t>
+              <a:t>2018/11/15</a:t>
             </a:fld>
             <a:endParaRPr lang="zh-CN" altLang="en-US"/>
           </a:p>
@@ -2127,7 +2129,7 @@
           <a:p>
             <a:fld id="{E5757ECE-DB53-4BBB-9F54-E1C5311B59B3}" type="datetimeFigureOut">
               <a:rPr lang="zh-CN" altLang="en-US" smtClean="0"/>
-              <a:t>2018/11/14</a:t>
+              <a:t>2018/11/15</a:t>
             </a:fld>
             <a:endParaRPr lang="zh-CN" altLang="en-US"/>
           </a:p>
@@ -2380,7 +2382,7 @@
           <a:p>
             <a:fld id="{E5757ECE-DB53-4BBB-9F54-E1C5311B59B3}" type="datetimeFigureOut">
               <a:rPr lang="zh-CN" altLang="en-US" smtClean="0"/>
-              <a:t>2018/11/14</a:t>
+              <a:t>2018/11/15</a:t>
             </a:fld>
             <a:endParaRPr lang="zh-CN" altLang="en-US"/>
           </a:p>
@@ -2593,7 +2595,7 @@
           <a:p>
             <a:fld id="{E5757ECE-DB53-4BBB-9F54-E1C5311B59B3}" type="datetimeFigureOut">
               <a:rPr lang="zh-CN" altLang="en-US" smtClean="0"/>
-              <a:t>2018/11/14</a:t>
+              <a:t>2018/11/15</a:t>
             </a:fld>
             <a:endParaRPr lang="zh-CN" altLang="en-US"/>
           </a:p>
@@ -3038,7 +3040,7 @@
           <a:p>
             <a:r>
               <a:rPr lang="en-US" altLang="zh-CN" smtClean="0"/>
-              <a:t>180913</a:t>
+              <a:t>181116</a:t>
             </a:r>
             <a:endParaRPr lang="zh-CN" altLang="en-US" dirty="0"/>
           </a:p>
@@ -3048,6 +3050,202 @@
     <p:extLst>
       <p:ext uri="{BB962C8B-B14F-4D97-AF65-F5344CB8AC3E}">
         <p14:creationId xmlns:p14="http://schemas.microsoft.com/office/powerpoint/2010/main" val="15449650"/>
+      </p:ext>
+    </p:extLst>
+  </p:cSld>
+  <p:clrMapOvr>
+    <a:masterClrMapping/>
+  </p:clrMapOvr>
+  <p:timing>
+    <p:tnLst>
+      <p:par>
+        <p:cTn id="1" dur="indefinite" restart="never" nodeType="tmRoot"/>
+      </p:par>
+    </p:tnLst>
+  </p:timing>
+</p:sld>
+</file>
+
+<file path=ppt/slides/slide10.xml><?xml version="1.0" encoding="utf-8"?>
+<p:sld xmlns:a="http://schemas.openxmlformats.org/drawingml/2006/main" xmlns:r="http://schemas.openxmlformats.org/officeDocument/2006/relationships" xmlns:p="http://schemas.openxmlformats.org/presentationml/2006/main">
+  <p:cSld>
+    <p:spTree>
+      <p:nvGrpSpPr>
+        <p:cNvPr id="1" name=""/>
+        <p:cNvGrpSpPr/>
+        <p:nvPr/>
+      </p:nvGrpSpPr>
+      <p:grpSpPr>
+        <a:xfrm>
+          <a:off x="0" y="0"/>
+          <a:ext cx="0" cy="0"/>
+          <a:chOff x="0" y="0"/>
+          <a:chExt cx="0" cy="0"/>
+        </a:xfrm>
+      </p:grpSpPr>
+      <p:sp>
+        <p:nvSpPr>
+          <p:cNvPr id="5" name="TextBox 4"/>
+          <p:cNvSpPr txBox="1"/>
+          <p:nvPr/>
+        </p:nvSpPr>
+        <p:spPr>
+          <a:xfrm>
+            <a:off x="4693442" y="781225"/>
+            <a:ext cx="1808958" cy="369332"/>
+          </a:xfrm>
+          <a:prstGeom prst="rect">
+            <a:avLst/>
+          </a:prstGeom>
+          <a:noFill/>
+        </p:spPr>
+        <p:txBody>
+          <a:bodyPr wrap="square" rtlCol="0">
+            <a:spAutoFit/>
+          </a:bodyPr>
+          <a:lstStyle/>
+          <a:p>
+            <a:r>
+              <a:rPr lang="en-US" altLang="zh-CN" dirty="0" smtClean="0"/>
+              <a:t>Reaction time ? </a:t>
+            </a:r>
+            <a:endParaRPr lang="zh-CN" altLang="en-US" dirty="0"/>
+          </a:p>
+        </p:txBody>
+      </p:sp>
+      <p:sp>
+        <p:nvSpPr>
+          <p:cNvPr id="6" name="TextBox 5"/>
+          <p:cNvSpPr txBox="1"/>
+          <p:nvPr/>
+        </p:nvSpPr>
+        <p:spPr>
+          <a:xfrm>
+            <a:off x="5850965" y="5556138"/>
+            <a:ext cx="2814917" cy="646331"/>
+          </a:xfrm>
+          <a:prstGeom prst="rect">
+            <a:avLst/>
+          </a:prstGeom>
+          <a:noFill/>
+        </p:spPr>
+        <p:txBody>
+          <a:bodyPr wrap="square" rtlCol="0">
+            <a:spAutoFit/>
+          </a:bodyPr>
+          <a:lstStyle/>
+          <a:p>
+            <a:r>
+              <a:rPr lang="zh-CN" altLang="en-US" dirty="0" smtClean="0"/>
+              <a:t>分析的试次取 </a:t>
+            </a:r>
+            <a:r>
+              <a:rPr lang="en-US" altLang="zh-CN" dirty="0" smtClean="0"/>
+              <a:t>RT&gt;150 </a:t>
+            </a:r>
+            <a:r>
+              <a:rPr lang="en-US" altLang="zh-CN" dirty="0" err="1" smtClean="0"/>
+              <a:t>ms</a:t>
+            </a:r>
+            <a:r>
+              <a:rPr lang="en-US" altLang="zh-CN" dirty="0" smtClean="0"/>
+              <a:t>, </a:t>
+            </a:r>
+            <a:r>
+              <a:rPr lang="zh-CN" altLang="en-US" dirty="0" smtClean="0"/>
+              <a:t>每列是一个被试</a:t>
+            </a:r>
+            <a:endParaRPr lang="zh-CN" altLang="en-US" dirty="0"/>
+          </a:p>
+        </p:txBody>
+      </p:sp>
+      <p:sp>
+        <p:nvSpPr>
+          <p:cNvPr id="3" name="TextBox 2"/>
+          <p:cNvSpPr txBox="1"/>
+          <p:nvPr/>
+        </p:nvSpPr>
+        <p:spPr>
+          <a:xfrm>
+            <a:off x="262967" y="2247152"/>
+            <a:ext cx="1541928" cy="369332"/>
+          </a:xfrm>
+          <a:prstGeom prst="rect">
+            <a:avLst/>
+          </a:prstGeom>
+          <a:noFill/>
+        </p:spPr>
+        <p:txBody>
+          <a:bodyPr wrap="square" rtlCol="0">
+            <a:spAutoFit/>
+          </a:bodyPr>
+          <a:lstStyle/>
+          <a:p>
+            <a:r>
+              <a:rPr lang="en-US" dirty="0" smtClean="0"/>
+              <a:t>Normal trials</a:t>
+            </a:r>
+            <a:endParaRPr lang="en-US" dirty="0"/>
+          </a:p>
+        </p:txBody>
+      </p:sp>
+      <p:sp>
+        <p:nvSpPr>
+          <p:cNvPr id="7" name="TextBox 6"/>
+          <p:cNvSpPr txBox="1"/>
+          <p:nvPr/>
+        </p:nvSpPr>
+        <p:spPr>
+          <a:xfrm>
+            <a:off x="262967" y="4084916"/>
+            <a:ext cx="1541928" cy="369332"/>
+          </a:xfrm>
+          <a:prstGeom prst="rect">
+            <a:avLst/>
+          </a:prstGeom>
+          <a:noFill/>
+        </p:spPr>
+        <p:txBody>
+          <a:bodyPr wrap="square" rtlCol="0">
+            <a:spAutoFit/>
+          </a:bodyPr>
+          <a:lstStyle/>
+          <a:p>
+            <a:r>
+              <a:rPr lang="en-US" dirty="0" smtClean="0"/>
+              <a:t>Catch trials</a:t>
+            </a:r>
+            <a:endParaRPr lang="en-US" dirty="0"/>
+          </a:p>
+        </p:txBody>
+      </p:sp>
+      <p:pic>
+        <p:nvPicPr>
+          <p:cNvPr id="4" name="Picture 3"/>
+          <p:cNvPicPr>
+            <a:picLocks noChangeAspect="1"/>
+          </p:cNvPicPr>
+          <p:nvPr/>
+        </p:nvPicPr>
+        <p:blipFill rotWithShape="1">
+          <a:blip r:embed="rId2"/>
+          <a:srcRect l="10448" r="7968"/>
+          <a:stretch/>
+        </p:blipFill>
+        <p:spPr>
+          <a:xfrm>
+            <a:off x="1727200" y="1476797"/>
+            <a:ext cx="9999033" cy="3896050"/>
+          </a:xfrm>
+          <a:prstGeom prst="rect">
+            <a:avLst/>
+          </a:prstGeom>
+        </p:spPr>
+      </p:pic>
+    </p:spTree>
+    <p:extLst>
+      <p:ext uri="{BB962C8B-B14F-4D97-AF65-F5344CB8AC3E}">
+        <p14:creationId xmlns:p14="http://schemas.microsoft.com/office/powerpoint/2010/main" val="2366526712"/>
       </p:ext>
     </p:extLst>
   </p:cSld>
@@ -4170,11 +4368,7 @@
           <a:p>
             <a:r>
               <a:rPr lang="en-US" altLang="zh-CN" sz="1050" dirty="0" smtClean="0"/>
-              <a:t>5 </a:t>
-            </a:r>
-            <a:r>
-              <a:rPr lang="en-US" altLang="zh-CN" sz="1050" dirty="0" smtClean="0"/>
-              <a:t>conditions (random)</a:t>
+              <a:t>5 conditions (random)</a:t>
             </a:r>
             <a:endParaRPr lang="zh-CN" altLang="en-US" sz="1050" dirty="0"/>
           </a:p>
@@ -4330,15 +4524,7 @@
                   <a:srgbClr val="FF0000"/>
                 </a:solidFill>
               </a:rPr>
-              <a:t>/ </a:t>
-            </a:r>
-            <a:r>
-              <a:rPr lang="en-US" altLang="zh-CN" dirty="0" smtClean="0">
-                <a:solidFill>
-                  <a:srgbClr val="FF0000"/>
-                </a:solidFill>
-              </a:rPr>
-              <a:t>exponential (1/5)</a:t>
+              <a:t>/ exponential (1/5)</a:t>
             </a:r>
             <a:endParaRPr lang="zh-CN" altLang="en-US" dirty="0">
               <a:solidFill>
@@ -4479,15 +4665,7 @@
                   <a:schemeClr val="tx1"/>
                 </a:solidFill>
               </a:rPr>
-              <a:t>324 </a:t>
-            </a:r>
-            <a:r>
-              <a:rPr lang="en-US" altLang="zh-CN" dirty="0" smtClean="0">
-                <a:solidFill>
-                  <a:schemeClr val="tx1"/>
-                </a:solidFill>
-              </a:rPr>
-              <a:t>trials</a:t>
+              <a:t>324 trials</a:t>
             </a:r>
             <a:endParaRPr lang="zh-CN" altLang="en-US" dirty="0">
               <a:solidFill>
@@ -4505,14 +4683,14 @@
         </p:nvSpPr>
         <p:spPr>
           <a:xfrm rot="5400000" flipH="1">
-            <a:off x="10283219" y="3641963"/>
-            <a:ext cx="2141158" cy="1296131"/>
+            <a:off x="9976906" y="3739184"/>
+            <a:ext cx="2689583" cy="1423651"/>
           </a:xfrm>
           <a:prstGeom prst="uturnArrow">
             <a:avLst>
-              <a:gd name="adj1" fmla="val 6568"/>
+              <a:gd name="adj1" fmla="val 7951"/>
               <a:gd name="adj2" fmla="val 25000"/>
-              <a:gd name="adj3" fmla="val 25000"/>
+              <a:gd name="adj3" fmla="val 26383"/>
               <a:gd name="adj4" fmla="val 43750"/>
               <a:gd name="adj5" fmla="val 100000"/>
             </a:avLst>
@@ -4552,6 +4730,42 @@
                 <a:schemeClr val="tx1"/>
               </a:solidFill>
             </a:endParaRPr>
+          </a:p>
+        </p:txBody>
+      </p:sp>
+      <p:sp>
+        <p:nvSpPr>
+          <p:cNvPr id="31" name="TextBox 30"/>
+          <p:cNvSpPr txBox="1"/>
+          <p:nvPr/>
+        </p:nvSpPr>
+        <p:spPr>
+          <a:xfrm>
+            <a:off x="10534439" y="5090575"/>
+            <a:ext cx="1050360" cy="646331"/>
+          </a:xfrm>
+          <a:prstGeom prst="rect">
+            <a:avLst/>
+          </a:prstGeom>
+          <a:noFill/>
+        </p:spPr>
+        <p:txBody>
+          <a:bodyPr wrap="square" rtlCol="0">
+            <a:spAutoFit/>
+          </a:bodyPr>
+          <a:lstStyle/>
+          <a:p>
+            <a:r>
+              <a:rPr lang="en-US" altLang="zh-CN" dirty="0" smtClean="0"/>
+              <a:t>Normal</a:t>
+            </a:r>
+          </a:p>
+          <a:p>
+            <a:r>
+              <a:rPr lang="en-US" altLang="zh-CN" dirty="0" smtClean="0"/>
+              <a:t>catch</a:t>
+            </a:r>
+            <a:endParaRPr lang="zh-CN" altLang="en-US" dirty="0"/>
           </a:p>
         </p:txBody>
       </p:sp>
@@ -4911,7 +5125,7 @@
         </p:blipFill>
         <p:spPr>
           <a:xfrm>
-            <a:off x="1765621" y="3662936"/>
+            <a:off x="749621" y="3696679"/>
             <a:ext cx="4260994" cy="3195064"/>
           </a:xfrm>
           <a:prstGeom prst="rect">
@@ -4935,7 +5149,7 @@
         </p:blipFill>
         <p:spPr>
           <a:xfrm>
-            <a:off x="6246632" y="3657102"/>
+            <a:off x="5230632" y="3690845"/>
             <a:ext cx="4268775" cy="3200898"/>
           </a:xfrm>
           <a:prstGeom prst="rect">
@@ -4966,6 +5180,416 @@
           </a:prstGeom>
         </p:spPr>
       </p:pic>
+      <p:sp>
+        <p:nvSpPr>
+          <p:cNvPr id="2" name="TextBox 1"/>
+          <p:cNvSpPr txBox="1"/>
+          <p:nvPr/>
+        </p:nvSpPr>
+        <p:spPr>
+          <a:xfrm>
+            <a:off x="9200363" y="5364937"/>
+            <a:ext cx="3072426" cy="923330"/>
+          </a:xfrm>
+          <a:prstGeom prst="rect">
+            <a:avLst/>
+          </a:prstGeom>
+          <a:noFill/>
+        </p:spPr>
+        <p:txBody>
+          <a:bodyPr wrap="square" rtlCol="0">
+            <a:spAutoFit/>
+          </a:bodyPr>
+          <a:lstStyle/>
+          <a:p>
+            <a:r>
+              <a:rPr lang="zh-CN" altLang="en-US" dirty="0" smtClean="0"/>
+              <a:t>中间一行与底行右图是加上</a:t>
+            </a:r>
+            <a:r>
+              <a:rPr lang="en-US" altLang="zh-CN" u="sng" dirty="0"/>
+              <a:t>T</a:t>
+            </a:r>
+            <a:r>
+              <a:rPr lang="en-US" altLang="zh-CN" dirty="0" smtClean="0"/>
+              <a:t>emperature</a:t>
+            </a:r>
+            <a:r>
+              <a:rPr lang="zh-CN" altLang="en-US" dirty="0" smtClean="0"/>
+              <a:t>后的</a:t>
+            </a:r>
+            <a:r>
+              <a:rPr lang="en-US" altLang="zh-CN" dirty="0" smtClean="0"/>
+              <a:t>plot,</a:t>
+            </a:r>
+          </a:p>
+          <a:p>
+            <a:r>
+              <a:rPr lang="zh-CN" altLang="en-US" dirty="0" smtClean="0"/>
+              <a:t>另外的则没有加</a:t>
+            </a:r>
+            <a:endParaRPr lang="en-US" dirty="0"/>
+          </a:p>
+        </p:txBody>
+      </p:sp>
+      <mc:AlternateContent xmlns:mc="http://schemas.openxmlformats.org/markup-compatibility/2006" xmlns:a14="http://schemas.microsoft.com/office/drawing/2010/main">
+        <mc:Choice Requires="a14">
+          <p:sp>
+            <p:nvSpPr>
+              <p:cNvPr id="10" name="Rectangle 9"/>
+              <p:cNvSpPr/>
+              <p:nvPr/>
+            </p:nvSpPr>
+            <p:spPr>
+              <a:xfrm>
+                <a:off x="9337830" y="4020777"/>
+                <a:ext cx="2635914" cy="1078437"/>
+              </a:xfrm>
+              <a:prstGeom prst="rect">
+                <a:avLst/>
+              </a:prstGeom>
+            </p:spPr>
+            <p:txBody>
+              <a:bodyPr wrap="none">
+                <a:spAutoFit/>
+              </a:bodyPr>
+              <a:lstStyle/>
+              <a:p>
+                <a:pPr/>
+                <a14:m>
+                  <m:oMathPara xmlns:m="http://schemas.openxmlformats.org/officeDocument/2006/math">
+                    <m:oMathParaPr>
+                      <m:jc m:val="left"/>
+                    </m:oMathParaPr>
+                    <m:oMath xmlns:m="http://schemas.openxmlformats.org/officeDocument/2006/math">
+                      <m:func>
+                        <m:funcPr>
+                          <m:ctrlPr>
+                            <a:rPr lang="zh-CN" altLang="en-US" sz="1400" i="1" smtClean="0">
+                              <a:latin typeface="Cambria Math" panose="02040503050406030204" pitchFamily="18" charset="0"/>
+                            </a:rPr>
+                          </m:ctrlPr>
+                        </m:funcPr>
+                        <m:fName>
+                          <m:r>
+                            <m:rPr>
+                              <m:sty m:val="p"/>
+                            </m:rPr>
+                            <a:rPr lang="en-US" altLang="zh-CN" sz="1400" i="1">
+                              <a:latin typeface="Cambria Math" panose="02040503050406030204" pitchFamily="18" charset="0"/>
+                            </a:rPr>
+                            <m:t>P</m:t>
+                          </m:r>
+                          <m:r>
+                            <m:rPr>
+                              <m:sty m:val="p"/>
+                            </m:rPr>
+                            <a:rPr lang="zh-CN" altLang="en-US" sz="1400" i="0">
+                              <a:latin typeface="Cambria Math" panose="02040503050406030204" pitchFamily="18" charset="0"/>
+                            </a:rPr>
+                            <m:t>r</m:t>
+                          </m:r>
+                        </m:fName>
+                        <m:e>
+                          <m:r>
+                            <a:rPr lang="zh-CN" altLang="en-US" sz="1400" i="0">
+                              <a:latin typeface="Cambria Math" panose="02040503050406030204" pitchFamily="18" charset="0"/>
+                            </a:rPr>
+                            <m:t>(</m:t>
+                          </m:r>
+                        </m:e>
+                      </m:func>
+                      <m:r>
+                        <m:rPr>
+                          <m:sty m:val="p"/>
+                        </m:rPr>
+                        <a:rPr lang="zh-CN" altLang="en-US" sz="1400" i="0">
+                          <a:latin typeface="Cambria Math" panose="02040503050406030204" pitchFamily="18" charset="0"/>
+                        </a:rPr>
+                        <m:t>choose</m:t>
+                      </m:r>
+                      <m:r>
+                        <a:rPr lang="zh-CN" altLang="en-US" sz="1400" i="0">
+                          <a:latin typeface="Cambria Math" panose="02040503050406030204" pitchFamily="18" charset="0"/>
+                        </a:rPr>
+                        <m:t> </m:t>
+                      </m:r>
+                      <m:r>
+                        <m:rPr>
+                          <m:sty m:val="p"/>
+                        </m:rPr>
+                        <a:rPr lang="zh-CN" altLang="en-US" sz="1400" i="0">
+                          <a:latin typeface="Cambria Math" panose="02040503050406030204" pitchFamily="18" charset="0"/>
+                        </a:rPr>
+                        <m:t>sure</m:t>
+                      </m:r>
+                      <m:r>
+                        <a:rPr lang="zh-CN" altLang="en-US" sz="1400" i="0">
+                          <a:latin typeface="Cambria Math" panose="02040503050406030204" pitchFamily="18" charset="0"/>
+                        </a:rPr>
+                        <m:t>)</m:t>
+                      </m:r>
+                    </m:oMath>
+                  </m:oMathPara>
+                </a14:m>
+                <a:endParaRPr lang="en-US" altLang="zh-CN" sz="1400" i="0" dirty="0" smtClean="0">
+                  <a:latin typeface="Cambria Math" panose="02040503050406030204" pitchFamily="18" charset="0"/>
+                </a:endParaRPr>
+              </a:p>
+              <a:p>
+                <a:endParaRPr lang="en-US" altLang="zh-CN" sz="1400" i="0" dirty="0" smtClean="0">
+                  <a:latin typeface="Cambria Math" panose="02040503050406030204" pitchFamily="18" charset="0"/>
+                </a:endParaRPr>
+              </a:p>
+              <a:p>
+                <a:pPr/>
+                <a14:m>
+                  <m:oMathPara xmlns:m="http://schemas.openxmlformats.org/officeDocument/2006/math">
+                    <m:oMathParaPr>
+                      <m:jc m:val="centerGroup"/>
+                    </m:oMathParaPr>
+                    <m:oMath xmlns:m="http://schemas.openxmlformats.org/officeDocument/2006/math">
+                      <m:r>
+                        <a:rPr lang="zh-CN" altLang="en-US" sz="1400" i="0">
+                          <a:latin typeface="Cambria Math" panose="02040503050406030204" pitchFamily="18" charset="0"/>
+                        </a:rPr>
+                        <m:t>=</m:t>
+                      </m:r>
+                      <m:f>
+                        <m:fPr>
+                          <m:ctrlPr>
+                            <a:rPr lang="zh-CN" altLang="en-US" sz="1400" i="1">
+                              <a:latin typeface="Cambria Math" panose="02040503050406030204" pitchFamily="18" charset="0"/>
+                            </a:rPr>
+                          </m:ctrlPr>
+                        </m:fPr>
+                        <m:num>
+                          <m:r>
+                            <a:rPr lang="zh-CN" altLang="en-US" sz="1400" i="0">
+                              <a:latin typeface="Cambria Math" panose="02040503050406030204" pitchFamily="18" charset="0"/>
+                            </a:rPr>
+                            <m:t>1</m:t>
+                          </m:r>
+                        </m:num>
+                        <m:den>
+                          <m:r>
+                            <a:rPr lang="zh-CN" altLang="en-US" sz="1400" i="0">
+                              <a:latin typeface="Cambria Math" panose="02040503050406030204" pitchFamily="18" charset="0"/>
+                            </a:rPr>
+                            <m:t>1+</m:t>
+                          </m:r>
+                          <m:sSup>
+                            <m:sSupPr>
+                              <m:ctrlPr>
+                                <a:rPr lang="zh-CN" altLang="en-US" sz="1400" i="1">
+                                  <a:latin typeface="Cambria Math" panose="02040503050406030204" pitchFamily="18" charset="0"/>
+                                </a:rPr>
+                              </m:ctrlPr>
+                            </m:sSupPr>
+                            <m:e>
+                              <m:r>
+                                <m:rPr>
+                                  <m:sty m:val="p"/>
+                                </m:rPr>
+                                <a:rPr lang="zh-CN" altLang="en-US" sz="1400" i="0">
+                                  <a:latin typeface="Cambria Math" panose="02040503050406030204" pitchFamily="18" charset="0"/>
+                                </a:rPr>
+                                <m:t>e</m:t>
+                              </m:r>
+                            </m:e>
+                            <m:sup>
+                              <m:r>
+                                <a:rPr lang="zh-CN" altLang="en-US" sz="1400" i="0">
+                                  <a:latin typeface="Cambria Math" panose="02040503050406030204" pitchFamily="18" charset="0"/>
+                                </a:rPr>
+                                <m:t>−</m:t>
+                              </m:r>
+                              <m:r>
+                                <a:rPr lang="en-US" altLang="zh-CN" sz="1400" b="0" i="1" smtClean="0">
+                                  <a:latin typeface="Cambria Math" panose="02040503050406030204" pitchFamily="18" charset="0"/>
+                                </a:rPr>
+                                <m:t>𝑇</m:t>
+                              </m:r>
+                              <m:d>
+                                <m:dPr>
+                                  <m:ctrlPr>
+                                    <a:rPr lang="zh-CN" altLang="en-US" sz="1400" i="1">
+                                      <a:latin typeface="Cambria Math" panose="02040503050406030204" pitchFamily="18" charset="0"/>
+                                    </a:rPr>
+                                  </m:ctrlPr>
+                                </m:dPr>
+                                <m:e>
+                                  <m:r>
+                                    <m:rPr>
+                                      <m:sty m:val="p"/>
+                                    </m:rPr>
+                                    <a:rPr lang="zh-CN" altLang="en-US" sz="1400" i="0">
+                                      <a:latin typeface="Cambria Math" panose="02040503050406030204" pitchFamily="18" charset="0"/>
+                                    </a:rPr>
+                                    <m:t>u</m:t>
+                                  </m:r>
+                                  <m:d>
+                                    <m:dPr>
+                                      <m:ctrlPr>
+                                        <a:rPr lang="zh-CN" altLang="en-US" sz="1400" i="1">
+                                          <a:latin typeface="Cambria Math" panose="02040503050406030204" pitchFamily="18" charset="0"/>
+                                        </a:rPr>
+                                      </m:ctrlPr>
+                                    </m:dPr>
+                                    <m:e>
+                                      <m:r>
+                                        <m:rPr>
+                                          <m:sty m:val="p"/>
+                                        </m:rPr>
+                                        <a:rPr lang="zh-CN" altLang="en-US" sz="1400" i="0">
+                                          <a:latin typeface="Cambria Math" panose="02040503050406030204" pitchFamily="18" charset="0"/>
+                                        </a:rPr>
+                                        <m:t>SR</m:t>
+                                      </m:r>
+                                    </m:e>
+                                  </m:d>
+                                  <m:r>
+                                    <a:rPr lang="zh-CN" altLang="en-US" sz="1400" i="0">
+                                      <a:latin typeface="Cambria Math" panose="02040503050406030204" pitchFamily="18" charset="0"/>
+                                    </a:rPr>
+                                    <m:t>−</m:t>
+                                  </m:r>
+                                  <m:f>
+                                    <m:fPr>
+                                      <m:ctrlPr>
+                                        <a:rPr lang="zh-CN" altLang="en-US" sz="1400" i="1">
+                                          <a:latin typeface="Cambria Math" panose="02040503050406030204" pitchFamily="18" charset="0"/>
+                                        </a:rPr>
+                                      </m:ctrlPr>
+                                    </m:fPr>
+                                    <m:num>
+                                      <m:r>
+                                        <m:rPr>
+                                          <m:sty m:val="p"/>
+                                        </m:rPr>
+                                        <a:rPr lang="zh-CN" altLang="en-US" sz="1400" i="0">
+                                          <a:latin typeface="Cambria Math" panose="02040503050406030204" pitchFamily="18" charset="0"/>
+                                        </a:rPr>
+                                        <m:t>u</m:t>
+                                      </m:r>
+                                      <m:d>
+                                        <m:dPr>
+                                          <m:ctrlPr>
+                                            <a:rPr lang="zh-CN" altLang="en-US" sz="1400" i="1">
+                                              <a:latin typeface="Cambria Math" panose="02040503050406030204" pitchFamily="18" charset="0"/>
+                                            </a:rPr>
+                                          </m:ctrlPr>
+                                        </m:dPr>
+                                        <m:e>
+                                          <m:r>
+                                            <m:rPr>
+                                              <m:sty m:val="p"/>
+                                            </m:rPr>
+                                            <a:rPr lang="zh-CN" altLang="en-US" sz="1400" i="0">
+                                              <a:latin typeface="Cambria Math" panose="02040503050406030204" pitchFamily="18" charset="0"/>
+                                            </a:rPr>
+                                            <m:t>gain</m:t>
+                                          </m:r>
+                                        </m:e>
+                                      </m:d>
+                                      <m:r>
+                                        <a:rPr lang="en-US" altLang="zh-CN" sz="1400" i="1" smtClean="0">
+                                          <a:latin typeface="Cambria Math" panose="02040503050406030204" pitchFamily="18" charset="0"/>
+                                        </a:rPr>
+                                        <m:t>+</m:t>
+                                      </m:r>
+                                      <m:r>
+                                        <m:rPr>
+                                          <m:sty m:val="p"/>
+                                        </m:rPr>
+                                        <a:rPr lang="zh-CN" altLang="en-US" sz="1400" i="0">
+                                          <a:latin typeface="Cambria Math" panose="02040503050406030204" pitchFamily="18" charset="0"/>
+                                        </a:rPr>
+                                        <m:t>u</m:t>
+                                      </m:r>
+                                      <m:d>
+                                        <m:dPr>
+                                          <m:ctrlPr>
+                                            <a:rPr lang="zh-CN" altLang="en-US" sz="1400" i="1">
+                                              <a:latin typeface="Cambria Math" panose="02040503050406030204" pitchFamily="18" charset="0"/>
+                                            </a:rPr>
+                                          </m:ctrlPr>
+                                        </m:dPr>
+                                        <m:e>
+                                          <m:r>
+                                            <m:rPr>
+                                              <m:sty m:val="p"/>
+                                            </m:rPr>
+                                            <a:rPr lang="zh-CN" altLang="en-US" sz="1400" i="0">
+                                              <a:latin typeface="Cambria Math" panose="02040503050406030204" pitchFamily="18" charset="0"/>
+                                            </a:rPr>
+                                            <m:t>loss</m:t>
+                                          </m:r>
+                                        </m:e>
+                                      </m:d>
+                                    </m:num>
+                                    <m:den>
+                                      <m:r>
+                                        <a:rPr lang="zh-CN" altLang="en-US" sz="1400" i="0">
+                                          <a:latin typeface="Cambria Math" panose="02040503050406030204" pitchFamily="18" charset="0"/>
+                                        </a:rPr>
+                                        <m:t>2</m:t>
+                                      </m:r>
+                                    </m:den>
+                                  </m:f>
+                                </m:e>
+                              </m:d>
+                            </m:sup>
+                          </m:sSup>
+                        </m:den>
+                      </m:f>
+                    </m:oMath>
+                  </m:oMathPara>
+                </a14:m>
+                <a:endParaRPr lang="zh-CN" altLang="en-US" sz="1400" dirty="0"/>
+              </a:p>
+            </p:txBody>
+          </p:sp>
+        </mc:Choice>
+        <mc:Fallback xmlns="">
+          <p:sp>
+            <p:nvSpPr>
+              <p:cNvPr id="10" name="Rectangle 9"/>
+              <p:cNvSpPr>
+                <a:spLocks noRot="1" noChangeAspect="1" noMove="1" noResize="1" noEditPoints="1" noAdjustHandles="1" noChangeArrowheads="1" noChangeShapeType="1" noTextEdit="1"/>
+              </p:cNvSpPr>
+              <p:nvPr/>
+            </p:nvSpPr>
+            <p:spPr>
+              <a:xfrm>
+                <a:off x="9337830" y="4020777"/>
+                <a:ext cx="2635914" cy="1078437"/>
+              </a:xfrm>
+              <a:prstGeom prst="rect">
+                <a:avLst/>
+              </a:prstGeom>
+              <a:blipFill>
+                <a:blip r:embed="rId6"/>
+                <a:stretch>
+                  <a:fillRect b="-1136"/>
+                </a:stretch>
+              </a:blipFill>
+            </p:spPr>
+            <p:txBody>
+              <a:bodyPr/>
+              <a:lstStyle/>
+              <a:p>
+                <a:r>
+                  <a:rPr lang="en-US">
+                    <a:noFill/>
+                  </a:rPr>
+                  <a:t> </a:t>
+                </a:r>
+              </a:p>
+            </p:txBody>
+          </p:sp>
+        </mc:Fallback>
+      </mc:AlternateContent>
     </p:spTree>
     <p:extLst>
       <p:ext uri="{BB962C8B-B14F-4D97-AF65-F5344CB8AC3E}">
@@ -5027,11 +5651,7 @@
           <a:p>
             <a:r>
               <a:rPr lang="en-US" altLang="zh-CN" dirty="0" smtClean="0"/>
-              <a:t>Each </a:t>
-            </a:r>
-            <a:r>
-              <a:rPr lang="en-US" altLang="zh-CN" dirty="0" smtClean="0"/>
-              <a:t>subject</a:t>
+              <a:t>Each subject</a:t>
             </a:r>
             <a:endParaRPr lang="zh-CN" altLang="en-US" dirty="0"/>
           </a:p>
@@ -5053,7 +5673,7 @@
         </p:blipFill>
         <p:spPr>
           <a:xfrm>
-            <a:off x="792056" y="1188183"/>
+            <a:off x="923538" y="912432"/>
             <a:ext cx="10569788" cy="5586534"/>
           </a:xfrm>
           <a:prstGeom prst="rect">
@@ -5061,8 +5681,8 @@
           </a:prstGeom>
         </p:spPr>
       </p:pic>
-      <mc:AlternateContent xmlns:mc="http://schemas.openxmlformats.org/markup-compatibility/2006">
-        <mc:Choice xmlns:a14="http://schemas.microsoft.com/office/drawing/2010/main" Requires="a14">
+      <mc:AlternateContent xmlns:mc="http://schemas.openxmlformats.org/markup-compatibility/2006" xmlns:a14="http://schemas.microsoft.com/office/drawing/2010/main">
+        <mc:Choice Requires="a14">
           <p:sp>
             <p:nvSpPr>
               <p:cNvPr id="15" name="Rectangle 14"/>
@@ -5250,7 +5870,7 @@
             </p:txBody>
           </p:sp>
         </mc:Choice>
-        <mc:Fallback>
+        <mc:Fallback xmlns="">
           <p:sp>
             <p:nvSpPr>
               <p:cNvPr id="15" name="Rectangle 14"/>
@@ -5314,6 +5934,44 @@
             <a:r>
               <a:rPr lang="en-US" altLang="zh-CN" dirty="0" smtClean="0"/>
               <a:t>(Betas normalized)</a:t>
+            </a:r>
+            <a:endParaRPr lang="zh-CN" altLang="en-US" dirty="0"/>
+          </a:p>
+        </p:txBody>
+      </p:sp>
+      <p:sp>
+        <p:nvSpPr>
+          <p:cNvPr id="6" name="TextBox 5"/>
+          <p:cNvSpPr txBox="1"/>
+          <p:nvPr/>
+        </p:nvSpPr>
+        <p:spPr>
+          <a:xfrm>
+            <a:off x="5916706" y="6314300"/>
+            <a:ext cx="5808569" cy="369332"/>
+          </a:xfrm>
+          <a:prstGeom prst="rect">
+            <a:avLst/>
+          </a:prstGeom>
+          <a:noFill/>
+        </p:spPr>
+        <p:txBody>
+          <a:bodyPr wrap="square" rtlCol="0">
+            <a:spAutoFit/>
+          </a:bodyPr>
+          <a:lstStyle/>
+          <a:p>
+            <a:r>
+              <a:rPr lang="zh-CN" altLang="en-US" dirty="0" smtClean="0"/>
+              <a:t>一般的试次中还好，但</a:t>
+            </a:r>
+            <a:r>
+              <a:rPr lang="en-US" altLang="zh-CN" dirty="0" smtClean="0"/>
+              <a:t>catch trial</a:t>
+            </a:r>
+            <a:r>
+              <a:rPr lang="zh-CN" altLang="en-US" dirty="0" smtClean="0"/>
+              <a:t>有的被试会忽略信息</a:t>
             </a:r>
             <a:endParaRPr lang="zh-CN" altLang="en-US" dirty="0"/>
           </a:p>
@@ -5410,8 +6068,8 @@
           </a:p>
         </p:txBody>
       </p:sp>
-      <mc:AlternateContent xmlns:mc="http://schemas.openxmlformats.org/markup-compatibility/2006">
-        <mc:Choice xmlns:a14="http://schemas.microsoft.com/office/drawing/2010/main" Requires="a14">
+      <mc:AlternateContent xmlns:mc="http://schemas.openxmlformats.org/markup-compatibility/2006" xmlns:a14="http://schemas.microsoft.com/office/drawing/2010/main">
+        <mc:Choice Requires="a14">
           <p:sp>
             <p:nvSpPr>
               <p:cNvPr id="15" name="Rectangle 14"/>
@@ -5599,7 +6257,7 @@
             </p:txBody>
           </p:sp>
         </mc:Choice>
-        <mc:Fallback>
+        <mc:Fallback xmlns="">
           <p:sp>
             <p:nvSpPr>
               <p:cNvPr id="15" name="Rectangle 14"/>
@@ -5662,6 +6320,44 @@
           </a:prstGeom>
         </p:spPr>
       </p:pic>
+      <p:sp>
+        <p:nvSpPr>
+          <p:cNvPr id="6" name="TextBox 5"/>
+          <p:cNvSpPr txBox="1"/>
+          <p:nvPr/>
+        </p:nvSpPr>
+        <p:spPr>
+          <a:xfrm>
+            <a:off x="3448424" y="6242663"/>
+            <a:ext cx="5808569" cy="646331"/>
+          </a:xfrm>
+          <a:prstGeom prst="rect">
+            <a:avLst/>
+          </a:prstGeom>
+          <a:noFill/>
+        </p:spPr>
+        <p:txBody>
+          <a:bodyPr wrap="square" rtlCol="0">
+            <a:spAutoFit/>
+          </a:bodyPr>
+          <a:lstStyle/>
+          <a:p>
+            <a:r>
+              <a:rPr lang="zh-CN" altLang="en-US" dirty="0" smtClean="0"/>
+              <a:t>平均来看还可以，右下角小图是上次实验相同的结果，对比发现</a:t>
+            </a:r>
+            <a:r>
+              <a:rPr lang="en-US" altLang="zh-CN" dirty="0" smtClean="0"/>
+              <a:t>gamble</a:t>
+            </a:r>
+            <a:r>
+              <a:rPr lang="zh-CN" altLang="en-US" dirty="0" smtClean="0"/>
+              <a:t>的权重有提高</a:t>
+            </a:r>
+            <a:endParaRPr lang="zh-CN" altLang="en-US" dirty="0"/>
+          </a:p>
+        </p:txBody>
+      </p:sp>
     </p:spTree>
     <p:extLst>
       <p:ext uri="{BB962C8B-B14F-4D97-AF65-F5344CB8AC3E}">
@@ -5729,8 +6425,8 @@
           </a:p>
         </p:txBody>
       </p:sp>
-      <mc:AlternateContent xmlns:mc="http://schemas.openxmlformats.org/markup-compatibility/2006">
-        <mc:Choice xmlns:a14="http://schemas.microsoft.com/office/drawing/2010/main" Requires="a14">
+      <mc:AlternateContent xmlns:mc="http://schemas.openxmlformats.org/markup-compatibility/2006" xmlns:a14="http://schemas.microsoft.com/office/drawing/2010/main">
+        <mc:Choice Requires="a14">
           <p:sp>
             <p:nvSpPr>
               <p:cNvPr id="15" name="Rectangle 14"/>
@@ -5918,7 +6614,7 @@
             </p:txBody>
           </p:sp>
         </mc:Choice>
-        <mc:Fallback>
+        <mc:Fallback xmlns="">
           <p:sp>
             <p:nvSpPr>
               <p:cNvPr id="15" name="Rectangle 14"/>
@@ -6011,6 +6707,44 @@
           </a:p>
         </p:txBody>
       </p:sp>
+      <p:sp>
+        <p:nvSpPr>
+          <p:cNvPr id="6" name="TextBox 5"/>
+          <p:cNvSpPr txBox="1"/>
+          <p:nvPr/>
+        </p:nvSpPr>
+        <p:spPr>
+          <a:xfrm>
+            <a:off x="5241366" y="6432399"/>
+            <a:ext cx="3077882" cy="369332"/>
+          </a:xfrm>
+          <a:prstGeom prst="rect">
+            <a:avLst/>
+          </a:prstGeom>
+          <a:noFill/>
+        </p:spPr>
+        <p:txBody>
+          <a:bodyPr wrap="square" rtlCol="0">
+            <a:spAutoFit/>
+          </a:bodyPr>
+          <a:lstStyle/>
+          <a:p>
+            <a:r>
+              <a:rPr lang="zh-CN" altLang="en-US" dirty="0" smtClean="0"/>
+              <a:t>证明</a:t>
+            </a:r>
+            <a:r>
+              <a:rPr lang="en-US" altLang="zh-CN" dirty="0" smtClean="0"/>
+              <a:t>block</a:t>
+            </a:r>
+            <a:r>
+              <a:rPr lang="zh-CN" altLang="en-US" dirty="0" smtClean="0"/>
+              <a:t>顺序的效应不明显</a:t>
+            </a:r>
+            <a:endParaRPr lang="zh-CN" altLang="en-US" dirty="0"/>
+          </a:p>
+        </p:txBody>
+      </p:sp>
     </p:spTree>
     <p:extLst>
       <p:ext uri="{BB962C8B-B14F-4D97-AF65-F5344CB8AC3E}">
@@ -6072,11 +6806,7 @@
           <a:p>
             <a:r>
               <a:rPr lang="en-US" altLang="zh-CN" dirty="0" smtClean="0"/>
-              <a:t>Serial effect ? </a:t>
-            </a:r>
-            <a:r>
-              <a:rPr lang="en-US" altLang="zh-CN" dirty="0" smtClean="0"/>
-              <a:t>For each subject</a:t>
+              <a:t>Serial effect ? For each subject</a:t>
             </a:r>
             <a:endParaRPr lang="zh-CN" altLang="en-US" dirty="0"/>
           </a:p>
@@ -6106,6 +6836,52 @@
           </a:prstGeom>
         </p:spPr>
       </p:pic>
+      <p:sp>
+        <p:nvSpPr>
+          <p:cNvPr id="6" name="TextBox 5"/>
+          <p:cNvSpPr txBox="1"/>
+          <p:nvPr/>
+        </p:nvSpPr>
+        <p:spPr>
+          <a:xfrm>
+            <a:off x="5916706" y="6314300"/>
+            <a:ext cx="3818965" cy="369332"/>
+          </a:xfrm>
+          <a:prstGeom prst="rect">
+            <a:avLst/>
+          </a:prstGeom>
+          <a:noFill/>
+        </p:spPr>
+        <p:txBody>
+          <a:bodyPr wrap="square" rtlCol="0">
+            <a:spAutoFit/>
+          </a:bodyPr>
+          <a:lstStyle/>
+          <a:p>
+            <a:r>
+              <a:rPr lang="zh-CN" altLang="en-US" dirty="0" smtClean="0"/>
+              <a:t>前</a:t>
+            </a:r>
+            <a:r>
+              <a:rPr lang="en-US" altLang="zh-CN" dirty="0" smtClean="0"/>
+              <a:t>6</a:t>
+            </a:r>
+            <a:r>
+              <a:rPr lang="zh-CN" altLang="en-US" dirty="0" smtClean="0"/>
+              <a:t>个</a:t>
+            </a:r>
+            <a:r>
+              <a:rPr lang="en-US" altLang="zh-CN" dirty="0" smtClean="0"/>
+              <a:t>gambles</a:t>
+            </a:r>
+            <a:r>
+              <a:rPr lang="zh-CN" altLang="en-US" dirty="0" smtClean="0"/>
+              <a:t>对决策几乎没有影响</a:t>
+            </a:r>
+            <a:endParaRPr lang="zh-CN" altLang="en-US" dirty="0"/>
+          </a:p>
+        </p:txBody>
+      </p:sp>
     </p:spTree>
     <p:extLst>
       <p:ext uri="{BB962C8B-B14F-4D97-AF65-F5344CB8AC3E}">
@@ -6197,6 +6973,52 @@
           </a:prstGeom>
         </p:spPr>
       </p:pic>
+      <p:sp>
+        <p:nvSpPr>
+          <p:cNvPr id="6" name="TextBox 5"/>
+          <p:cNvSpPr txBox="1"/>
+          <p:nvPr/>
+        </p:nvSpPr>
+        <p:spPr>
+          <a:xfrm>
+            <a:off x="5916706" y="6314300"/>
+            <a:ext cx="3818965" cy="369332"/>
+          </a:xfrm>
+          <a:prstGeom prst="rect">
+            <a:avLst/>
+          </a:prstGeom>
+          <a:noFill/>
+        </p:spPr>
+        <p:txBody>
+          <a:bodyPr wrap="square" rtlCol="0">
+            <a:spAutoFit/>
+          </a:bodyPr>
+          <a:lstStyle/>
+          <a:p>
+            <a:r>
+              <a:rPr lang="zh-CN" altLang="en-US" dirty="0" smtClean="0"/>
+              <a:t>前</a:t>
+            </a:r>
+            <a:r>
+              <a:rPr lang="en-US" altLang="zh-CN" dirty="0" smtClean="0"/>
+              <a:t>6</a:t>
+            </a:r>
+            <a:r>
+              <a:rPr lang="zh-CN" altLang="en-US" dirty="0" smtClean="0"/>
+              <a:t>个</a:t>
+            </a:r>
+            <a:r>
+              <a:rPr lang="en-US" altLang="zh-CN" dirty="0" smtClean="0"/>
+              <a:t>gambles</a:t>
+            </a:r>
+            <a:r>
+              <a:rPr lang="zh-CN" altLang="en-US" dirty="0" smtClean="0"/>
+              <a:t>对决策几乎没有影响</a:t>
+            </a:r>
+            <a:endParaRPr lang="zh-CN" altLang="en-US" dirty="0"/>
+          </a:p>
+        </p:txBody>
+      </p:sp>
     </p:spTree>
     <p:extLst>
       <p:ext uri="{BB962C8B-B14F-4D97-AF65-F5344CB8AC3E}">
